--- a/SQL/Intro To SQL Stored Procedures.pptx
+++ b/SQL/Intro To SQL Stored Procedures.pptx
@@ -3414,7 +3414,7 @@
           </a:p>
           <a:p>
             <a:r>
-              <a:rPr lang="en-US" sz="3600" dirty="0"/>
+              <a:rPr lang="en-US" sz="4800" dirty="0"/>
               <a:t>Stored Procedures</a:t>
             </a:r>
           </a:p>
